--- a/Presentation/Comment Sense.pptx
+++ b/Presentation/Comment Sense.pptx
@@ -4,6 +4,9 @@
   <p:sldMasterIdLst>
     <p:sldMasterId id="2147483722" r:id="rId1"/>
   </p:sldMasterIdLst>
+  <p:notesMasterIdLst>
+    <p:notesMasterId r:id="rId8"/>
+  </p:notesMasterIdLst>
   <p:sldIdLst>
     <p:sldId id="256" r:id="rId2"/>
     <p:sldId id="261" r:id="rId3"/>
@@ -117,6 +120,527 @@
 </p:presentation>
 </file>
 
+<file path=ppt/notesMasters/notesMaster1.xml><?xml version="1.0" encoding="utf-8"?>
+<p:notesMaster xmlns:a="http://schemas.openxmlformats.org/drawingml/2006/main" xmlns:r="http://schemas.openxmlformats.org/officeDocument/2006/relationships" xmlns:p="http://schemas.openxmlformats.org/presentationml/2006/main">
+  <p:cSld>
+    <p:bg>
+      <p:bgRef idx="1001">
+        <a:schemeClr val="bg1"/>
+      </p:bgRef>
+    </p:bg>
+    <p:spTree>
+      <p:nvGrpSpPr>
+        <p:cNvPr id="1" name=""/>
+        <p:cNvGrpSpPr/>
+        <p:nvPr/>
+      </p:nvGrpSpPr>
+      <p:grpSpPr>
+        <a:xfrm>
+          <a:off x="0" y="0"/>
+          <a:ext cx="0" cy="0"/>
+          <a:chOff x="0" y="0"/>
+          <a:chExt cx="0" cy="0"/>
+        </a:xfrm>
+      </p:grpSpPr>
+      <p:sp>
+        <p:nvSpPr>
+          <p:cNvPr id="2" name="Kopfzeilenplatzhalter 1"/>
+          <p:cNvSpPr>
+            <a:spLocks noGrp="1"/>
+          </p:cNvSpPr>
+          <p:nvPr>
+            <p:ph type="hdr" sz="quarter"/>
+          </p:nvPr>
+        </p:nvSpPr>
+        <p:spPr>
+          <a:xfrm>
+            <a:off x="0" y="0"/>
+            <a:ext cx="2971800" cy="458788"/>
+          </a:xfrm>
+          <a:prstGeom prst="rect">
+            <a:avLst/>
+          </a:prstGeom>
+        </p:spPr>
+        <p:txBody>
+          <a:bodyPr vert="horz" lIns="91440" tIns="45720" rIns="91440" bIns="45720" rtlCol="0"/>
+          <a:lstStyle>
+            <a:lvl1pPr algn="l">
+              <a:defRPr sz="1200"/>
+            </a:lvl1pPr>
+          </a:lstStyle>
+          <a:p>
+            <a:endParaRPr lang="de-DE"/>
+          </a:p>
+        </p:txBody>
+      </p:sp>
+      <p:sp>
+        <p:nvSpPr>
+          <p:cNvPr id="3" name="Datumsplatzhalter 2"/>
+          <p:cNvSpPr>
+            <a:spLocks noGrp="1"/>
+          </p:cNvSpPr>
+          <p:nvPr>
+            <p:ph type="dt" idx="1"/>
+          </p:nvPr>
+        </p:nvSpPr>
+        <p:spPr>
+          <a:xfrm>
+            <a:off x="3884613" y="0"/>
+            <a:ext cx="2971800" cy="458788"/>
+          </a:xfrm>
+          <a:prstGeom prst="rect">
+            <a:avLst/>
+          </a:prstGeom>
+        </p:spPr>
+        <p:txBody>
+          <a:bodyPr vert="horz" lIns="91440" tIns="45720" rIns="91440" bIns="45720" rtlCol="0"/>
+          <a:lstStyle>
+            <a:lvl1pPr algn="r">
+              <a:defRPr sz="1200"/>
+            </a:lvl1pPr>
+          </a:lstStyle>
+          <a:p>
+            <a:fld id="{85052885-B44E-43C0-BD1A-0E4F346AC204}" type="datetimeFigureOut">
+              <a:rPr lang="de-DE" smtClean="0"/>
+              <a:t>21.10.2018</a:t>
+            </a:fld>
+            <a:endParaRPr lang="de-DE"/>
+          </a:p>
+        </p:txBody>
+      </p:sp>
+      <p:sp>
+        <p:nvSpPr>
+          <p:cNvPr id="4" name="Folienbildplatzhalter 3"/>
+          <p:cNvSpPr>
+            <a:spLocks noGrp="1" noRot="1" noChangeAspect="1"/>
+          </p:cNvSpPr>
+          <p:nvPr>
+            <p:ph type="sldImg" idx="2"/>
+          </p:nvPr>
+        </p:nvSpPr>
+        <p:spPr>
+          <a:xfrm>
+            <a:off x="685800" y="1143000"/>
+            <a:ext cx="5486400" cy="3086100"/>
+          </a:xfrm>
+          <a:prstGeom prst="rect">
+            <a:avLst/>
+          </a:prstGeom>
+          <a:noFill/>
+          <a:ln w="12700">
+            <a:solidFill>
+              <a:prstClr val="black"/>
+            </a:solidFill>
+          </a:ln>
+        </p:spPr>
+        <p:txBody>
+          <a:bodyPr vert="horz" lIns="91440" tIns="45720" rIns="91440" bIns="45720" rtlCol="0" anchor="ctr"/>
+          <a:lstStyle/>
+          <a:p>
+            <a:endParaRPr lang="de-DE"/>
+          </a:p>
+        </p:txBody>
+      </p:sp>
+      <p:sp>
+        <p:nvSpPr>
+          <p:cNvPr id="5" name="Notizenplatzhalter 4"/>
+          <p:cNvSpPr>
+            <a:spLocks noGrp="1"/>
+          </p:cNvSpPr>
+          <p:nvPr>
+            <p:ph type="body" sz="quarter" idx="3"/>
+          </p:nvPr>
+        </p:nvSpPr>
+        <p:spPr>
+          <a:xfrm>
+            <a:off x="685800" y="4400550"/>
+            <a:ext cx="5486400" cy="3600450"/>
+          </a:xfrm>
+          <a:prstGeom prst="rect">
+            <a:avLst/>
+          </a:prstGeom>
+        </p:spPr>
+        <p:txBody>
+          <a:bodyPr vert="horz" lIns="91440" tIns="45720" rIns="91440" bIns="45720" rtlCol="0"/>
+          <a:lstStyle/>
+          <a:p>
+            <a:pPr lvl="0"/>
+            <a:r>
+              <a:rPr lang="de-DE"/>
+              <a:t>Mastertextformat bearbeiten</a:t>
+            </a:r>
+          </a:p>
+          <a:p>
+            <a:pPr lvl="1"/>
+            <a:r>
+              <a:rPr lang="de-DE"/>
+              <a:t>Zweite Ebene</a:t>
+            </a:r>
+          </a:p>
+          <a:p>
+            <a:pPr lvl="2"/>
+            <a:r>
+              <a:rPr lang="de-DE"/>
+              <a:t>Dritte Ebene</a:t>
+            </a:r>
+          </a:p>
+          <a:p>
+            <a:pPr lvl="3"/>
+            <a:r>
+              <a:rPr lang="de-DE"/>
+              <a:t>Vierte Ebene</a:t>
+            </a:r>
+          </a:p>
+          <a:p>
+            <a:pPr lvl="4"/>
+            <a:r>
+              <a:rPr lang="de-DE"/>
+              <a:t>Fünfte Ebene</a:t>
+            </a:r>
+          </a:p>
+        </p:txBody>
+      </p:sp>
+      <p:sp>
+        <p:nvSpPr>
+          <p:cNvPr id="6" name="Fußzeilenplatzhalter 5"/>
+          <p:cNvSpPr>
+            <a:spLocks noGrp="1"/>
+          </p:cNvSpPr>
+          <p:nvPr>
+            <p:ph type="ftr" sz="quarter" idx="4"/>
+          </p:nvPr>
+        </p:nvSpPr>
+        <p:spPr>
+          <a:xfrm>
+            <a:off x="0" y="8685213"/>
+            <a:ext cx="2971800" cy="458787"/>
+          </a:xfrm>
+          <a:prstGeom prst="rect">
+            <a:avLst/>
+          </a:prstGeom>
+        </p:spPr>
+        <p:txBody>
+          <a:bodyPr vert="horz" lIns="91440" tIns="45720" rIns="91440" bIns="45720" rtlCol="0" anchor="b"/>
+          <a:lstStyle>
+            <a:lvl1pPr algn="l">
+              <a:defRPr sz="1200"/>
+            </a:lvl1pPr>
+          </a:lstStyle>
+          <a:p>
+            <a:endParaRPr lang="de-DE"/>
+          </a:p>
+        </p:txBody>
+      </p:sp>
+      <p:sp>
+        <p:nvSpPr>
+          <p:cNvPr id="7" name="Foliennummernplatzhalter 6"/>
+          <p:cNvSpPr>
+            <a:spLocks noGrp="1"/>
+          </p:cNvSpPr>
+          <p:nvPr>
+            <p:ph type="sldNum" sz="quarter" idx="5"/>
+          </p:nvPr>
+        </p:nvSpPr>
+        <p:spPr>
+          <a:xfrm>
+            <a:off x="3884613" y="8685213"/>
+            <a:ext cx="2971800" cy="458787"/>
+          </a:xfrm>
+          <a:prstGeom prst="rect">
+            <a:avLst/>
+          </a:prstGeom>
+        </p:spPr>
+        <p:txBody>
+          <a:bodyPr vert="horz" lIns="91440" tIns="45720" rIns="91440" bIns="45720" rtlCol="0" anchor="b"/>
+          <a:lstStyle>
+            <a:lvl1pPr algn="r">
+              <a:defRPr sz="1200"/>
+            </a:lvl1pPr>
+          </a:lstStyle>
+          <a:p>
+            <a:fld id="{5F447B02-EECD-4402-9B01-5A16A9E31CB2}" type="slidenum">
+              <a:rPr lang="de-DE" smtClean="0"/>
+              <a:t>‹Nr.›</a:t>
+            </a:fld>
+            <a:endParaRPr lang="de-DE"/>
+          </a:p>
+        </p:txBody>
+      </p:sp>
+    </p:spTree>
+    <p:extLst>
+      <p:ext uri="{BB962C8B-B14F-4D97-AF65-F5344CB8AC3E}">
+        <p14:creationId xmlns:p14="http://schemas.microsoft.com/office/powerpoint/2010/main" val="1732203087"/>
+      </p:ext>
+    </p:extLst>
+  </p:cSld>
+  <p:clrMap bg1="lt1" tx1="dk1" bg2="lt2" tx2="dk2" accent1="accent1" accent2="accent2" accent3="accent3" accent4="accent4" accent5="accent5" accent6="accent6" hlink="hlink" folHlink="folHlink"/>
+  <p:notesStyle>
+    <a:lvl1pPr marL="0" algn="l" defTabSz="914400" rtl="0" eaLnBrk="1" latinLnBrk="0" hangingPunct="1">
+      <a:defRPr sz="1200" kern="1200">
+        <a:solidFill>
+          <a:schemeClr val="tx1"/>
+        </a:solidFill>
+        <a:latin typeface="+mn-lt"/>
+        <a:ea typeface="+mn-ea"/>
+        <a:cs typeface="+mn-cs"/>
+      </a:defRPr>
+    </a:lvl1pPr>
+    <a:lvl2pPr marL="457200" algn="l" defTabSz="914400" rtl="0" eaLnBrk="1" latinLnBrk="0" hangingPunct="1">
+      <a:defRPr sz="1200" kern="1200">
+        <a:solidFill>
+          <a:schemeClr val="tx1"/>
+        </a:solidFill>
+        <a:latin typeface="+mn-lt"/>
+        <a:ea typeface="+mn-ea"/>
+        <a:cs typeface="+mn-cs"/>
+      </a:defRPr>
+    </a:lvl2pPr>
+    <a:lvl3pPr marL="914400" algn="l" defTabSz="914400" rtl="0" eaLnBrk="1" latinLnBrk="0" hangingPunct="1">
+      <a:defRPr sz="1200" kern="1200">
+        <a:solidFill>
+          <a:schemeClr val="tx1"/>
+        </a:solidFill>
+        <a:latin typeface="+mn-lt"/>
+        <a:ea typeface="+mn-ea"/>
+        <a:cs typeface="+mn-cs"/>
+      </a:defRPr>
+    </a:lvl3pPr>
+    <a:lvl4pPr marL="1371600" algn="l" defTabSz="914400" rtl="0" eaLnBrk="1" latinLnBrk="0" hangingPunct="1">
+      <a:defRPr sz="1200" kern="1200">
+        <a:solidFill>
+          <a:schemeClr val="tx1"/>
+        </a:solidFill>
+        <a:latin typeface="+mn-lt"/>
+        <a:ea typeface="+mn-ea"/>
+        <a:cs typeface="+mn-cs"/>
+      </a:defRPr>
+    </a:lvl4pPr>
+    <a:lvl5pPr marL="1828800" algn="l" defTabSz="914400" rtl="0" eaLnBrk="1" latinLnBrk="0" hangingPunct="1">
+      <a:defRPr sz="1200" kern="1200">
+        <a:solidFill>
+          <a:schemeClr val="tx1"/>
+        </a:solidFill>
+        <a:latin typeface="+mn-lt"/>
+        <a:ea typeface="+mn-ea"/>
+        <a:cs typeface="+mn-cs"/>
+      </a:defRPr>
+    </a:lvl5pPr>
+    <a:lvl6pPr marL="2286000" algn="l" defTabSz="914400" rtl="0" eaLnBrk="1" latinLnBrk="0" hangingPunct="1">
+      <a:defRPr sz="1200" kern="1200">
+        <a:solidFill>
+          <a:schemeClr val="tx1"/>
+        </a:solidFill>
+        <a:latin typeface="+mn-lt"/>
+        <a:ea typeface="+mn-ea"/>
+        <a:cs typeface="+mn-cs"/>
+      </a:defRPr>
+    </a:lvl6pPr>
+    <a:lvl7pPr marL="2743200" algn="l" defTabSz="914400" rtl="0" eaLnBrk="1" latinLnBrk="0" hangingPunct="1">
+      <a:defRPr sz="1200" kern="1200">
+        <a:solidFill>
+          <a:schemeClr val="tx1"/>
+        </a:solidFill>
+        <a:latin typeface="+mn-lt"/>
+        <a:ea typeface="+mn-ea"/>
+        <a:cs typeface="+mn-cs"/>
+      </a:defRPr>
+    </a:lvl7pPr>
+    <a:lvl8pPr marL="3200400" algn="l" defTabSz="914400" rtl="0" eaLnBrk="1" latinLnBrk="0" hangingPunct="1">
+      <a:defRPr sz="1200" kern="1200">
+        <a:solidFill>
+          <a:schemeClr val="tx1"/>
+        </a:solidFill>
+        <a:latin typeface="+mn-lt"/>
+        <a:ea typeface="+mn-ea"/>
+        <a:cs typeface="+mn-cs"/>
+      </a:defRPr>
+    </a:lvl8pPr>
+    <a:lvl9pPr marL="3657600" algn="l" defTabSz="914400" rtl="0" eaLnBrk="1" latinLnBrk="0" hangingPunct="1">
+      <a:defRPr sz="1200" kern="1200">
+        <a:solidFill>
+          <a:schemeClr val="tx1"/>
+        </a:solidFill>
+        <a:latin typeface="+mn-lt"/>
+        <a:ea typeface="+mn-ea"/>
+        <a:cs typeface="+mn-cs"/>
+      </a:defRPr>
+    </a:lvl9pPr>
+  </p:notesStyle>
+</p:notesMaster>
+</file>
+
+<file path=ppt/notesSlides/notesSlide1.xml><?xml version="1.0" encoding="utf-8"?>
+<p:notes xmlns:a="http://schemas.openxmlformats.org/drawingml/2006/main" xmlns:r="http://schemas.openxmlformats.org/officeDocument/2006/relationships" xmlns:p="http://schemas.openxmlformats.org/presentationml/2006/main">
+  <p:cSld>
+    <p:spTree>
+      <p:nvGrpSpPr>
+        <p:cNvPr id="1" name=""/>
+        <p:cNvGrpSpPr/>
+        <p:nvPr/>
+      </p:nvGrpSpPr>
+      <p:grpSpPr>
+        <a:xfrm>
+          <a:off x="0" y="0"/>
+          <a:ext cx="0" cy="0"/>
+          <a:chOff x="0" y="0"/>
+          <a:chExt cx="0" cy="0"/>
+        </a:xfrm>
+      </p:grpSpPr>
+      <p:sp>
+        <p:nvSpPr>
+          <p:cNvPr id="2" name="Folienbildplatzhalter 1"/>
+          <p:cNvSpPr>
+            <a:spLocks noGrp="1" noRot="1" noChangeAspect="1"/>
+          </p:cNvSpPr>
+          <p:nvPr>
+            <p:ph type="sldImg"/>
+          </p:nvPr>
+        </p:nvSpPr>
+        <p:spPr/>
+      </p:sp>
+      <p:sp>
+        <p:nvSpPr>
+          <p:cNvPr id="3" name="Notizenplatzhalter 2"/>
+          <p:cNvSpPr>
+            <a:spLocks noGrp="1"/>
+          </p:cNvSpPr>
+          <p:nvPr>
+            <p:ph type="body" idx="1"/>
+          </p:nvPr>
+        </p:nvSpPr>
+        <p:spPr/>
+        <p:txBody>
+          <a:bodyPr/>
+          <a:lstStyle/>
+          <a:p>
+            <a:r>
+              <a:rPr lang="de-DE" dirty="0" err="1"/>
+              <a:t>ddddd</a:t>
+            </a:r>
+            <a:endParaRPr lang="de-DE" dirty="0"/>
+          </a:p>
+        </p:txBody>
+      </p:sp>
+      <p:sp>
+        <p:nvSpPr>
+          <p:cNvPr id="4" name="Foliennummernplatzhalter 3"/>
+          <p:cNvSpPr>
+            <a:spLocks noGrp="1"/>
+          </p:cNvSpPr>
+          <p:nvPr>
+            <p:ph type="sldNum" sz="quarter" idx="5"/>
+          </p:nvPr>
+        </p:nvSpPr>
+        <p:spPr/>
+        <p:txBody>
+          <a:bodyPr/>
+          <a:lstStyle/>
+          <a:p>
+            <a:fld id="{5F447B02-EECD-4402-9B01-5A16A9E31CB2}" type="slidenum">
+              <a:rPr lang="de-DE" smtClean="0"/>
+              <a:t>3</a:t>
+            </a:fld>
+            <a:endParaRPr lang="de-DE"/>
+          </a:p>
+        </p:txBody>
+      </p:sp>
+    </p:spTree>
+    <p:extLst>
+      <p:ext uri="{BB962C8B-B14F-4D97-AF65-F5344CB8AC3E}">
+        <p14:creationId xmlns:p14="http://schemas.microsoft.com/office/powerpoint/2010/main" val="2589750754"/>
+      </p:ext>
+    </p:extLst>
+  </p:cSld>
+  <p:clrMapOvr>
+    <a:masterClrMapping/>
+  </p:clrMapOvr>
+</p:notes>
+</file>
+
+<file path=ppt/notesSlides/notesSlide2.xml><?xml version="1.0" encoding="utf-8"?>
+<p:notes xmlns:a="http://schemas.openxmlformats.org/drawingml/2006/main" xmlns:r="http://schemas.openxmlformats.org/officeDocument/2006/relationships" xmlns:p="http://schemas.openxmlformats.org/presentationml/2006/main">
+  <p:cSld>
+    <p:spTree>
+      <p:nvGrpSpPr>
+        <p:cNvPr id="1" name=""/>
+        <p:cNvGrpSpPr/>
+        <p:nvPr/>
+      </p:nvGrpSpPr>
+      <p:grpSpPr>
+        <a:xfrm>
+          <a:off x="0" y="0"/>
+          <a:ext cx="0" cy="0"/>
+          <a:chOff x="0" y="0"/>
+          <a:chExt cx="0" cy="0"/>
+        </a:xfrm>
+      </p:grpSpPr>
+      <p:sp>
+        <p:nvSpPr>
+          <p:cNvPr id="2" name="Folienbildplatzhalter 1"/>
+          <p:cNvSpPr>
+            <a:spLocks noGrp="1" noRot="1" noChangeAspect="1"/>
+          </p:cNvSpPr>
+          <p:nvPr>
+            <p:ph type="sldImg"/>
+          </p:nvPr>
+        </p:nvSpPr>
+        <p:spPr/>
+      </p:sp>
+      <p:sp>
+        <p:nvSpPr>
+          <p:cNvPr id="3" name="Notizenplatzhalter 2"/>
+          <p:cNvSpPr>
+            <a:spLocks noGrp="1"/>
+          </p:cNvSpPr>
+          <p:nvPr>
+            <p:ph type="body" idx="1"/>
+          </p:nvPr>
+        </p:nvSpPr>
+        <p:spPr/>
+        <p:txBody>
+          <a:bodyPr/>
+          <a:lstStyle/>
+          <a:p>
+            <a:endParaRPr lang="de-DE" dirty="0"/>
+          </a:p>
+        </p:txBody>
+      </p:sp>
+      <p:sp>
+        <p:nvSpPr>
+          <p:cNvPr id="4" name="Foliennummernplatzhalter 3"/>
+          <p:cNvSpPr>
+            <a:spLocks noGrp="1"/>
+          </p:cNvSpPr>
+          <p:nvPr>
+            <p:ph type="sldNum" sz="quarter" idx="5"/>
+          </p:nvPr>
+        </p:nvSpPr>
+        <p:spPr/>
+        <p:txBody>
+          <a:bodyPr/>
+          <a:lstStyle/>
+          <a:p>
+            <a:fld id="{5F447B02-EECD-4402-9B01-5A16A9E31CB2}" type="slidenum">
+              <a:rPr lang="de-DE" smtClean="0"/>
+              <a:t>4</a:t>
+            </a:fld>
+            <a:endParaRPr lang="de-DE"/>
+          </a:p>
+        </p:txBody>
+      </p:sp>
+    </p:spTree>
+    <p:extLst>
+      <p:ext uri="{BB962C8B-B14F-4D97-AF65-F5344CB8AC3E}">
+        <p14:creationId xmlns:p14="http://schemas.microsoft.com/office/powerpoint/2010/main" val="2422927607"/>
+      </p:ext>
+    </p:extLst>
+  </p:cSld>
+  <p:clrMapOvr>
+    <a:masterClrMapping/>
+  </p:clrMapOvr>
+</p:notes>
+</file>
+
 <file path=ppt/slideLayouts/slideLayout1.xml><?xml version="1.0" encoding="utf-8"?>
 <p:sldLayout xmlns:a="http://schemas.openxmlformats.org/drawingml/2006/main" xmlns:r="http://schemas.openxmlformats.org/officeDocument/2006/relationships" xmlns:p="http://schemas.openxmlformats.org/presentationml/2006/main" type="title" preserve="1">
   <p:cSld name="Titelfolie">
@@ -304,7 +828,7 @@
             <a:fld id="{5923F103-BC34-4FE4-A40E-EDDEECFDA5D0}" type="datetimeFigureOut">
               <a:rPr lang="en-US" smtClean="0"/>
               <a:pPr/>
-              <a:t>10/20/2018</a:t>
+              <a:t>10/21/2018</a:t>
             </a:fld>
             <a:endParaRPr lang="en-US" dirty="0"/>
           </a:p>
@@ -585,7 +1109,7 @@
           <a:p>
             <a:fld id="{2BE451C3-0FF4-47C4-B829-773ADF60F88C}" type="datetimeFigureOut">
               <a:rPr lang="en-US" smtClean="0"/>
-              <a:t>10/20/2018</a:t>
+              <a:t>10/21/2018</a:t>
             </a:fld>
             <a:endParaRPr lang="en-US" dirty="0"/>
           </a:p>
@@ -786,7 +1310,7 @@
           <a:p>
             <a:fld id="{2BE451C3-0FF4-47C4-B829-773ADF60F88C}" type="datetimeFigureOut">
               <a:rPr lang="en-US" smtClean="0"/>
-              <a:t>10/20/2018</a:t>
+              <a:t>10/21/2018</a:t>
             </a:fld>
             <a:endParaRPr lang="en-US" dirty="0"/>
           </a:p>
@@ -1066,7 +1590,7 @@
           <a:p>
             <a:fld id="{2BE451C3-0FF4-47C4-B829-773ADF60F88C}" type="datetimeFigureOut">
               <a:rPr lang="en-US" smtClean="0"/>
-              <a:t>10/20/2018</a:t>
+              <a:t>10/21/2018</a:t>
             </a:fld>
             <a:endParaRPr lang="en-US" dirty="0"/>
           </a:p>
@@ -1414,7 +1938,7 @@
           <a:p>
             <a:fld id="{2BE451C3-0FF4-47C4-B829-773ADF60F88C}" type="datetimeFigureOut">
               <a:rPr lang="en-US" smtClean="0"/>
-              <a:t>10/20/2018</a:t>
+              <a:t>10/21/2018</a:t>
             </a:fld>
             <a:endParaRPr lang="en-US" dirty="0"/>
           </a:p>
@@ -2044,7 +2568,7 @@
           <a:p>
             <a:fld id="{2BE451C3-0FF4-47C4-B829-773ADF60F88C}" type="datetimeFigureOut">
               <a:rPr lang="en-US" smtClean="0"/>
-              <a:t>10/20/2018</a:t>
+              <a:t>10/21/2018</a:t>
             </a:fld>
             <a:endParaRPr lang="en-US" dirty="0"/>
           </a:p>
@@ -2911,7 +3435,7 @@
           <a:p>
             <a:fld id="{2BE451C3-0FF4-47C4-B829-773ADF60F88C}" type="datetimeFigureOut">
               <a:rPr lang="en-US" smtClean="0"/>
-              <a:t>10/20/2018</a:t>
+              <a:t>10/21/2018</a:t>
             </a:fld>
             <a:endParaRPr lang="en-US" dirty="0"/>
           </a:p>
@@ -3088,7 +3612,7 @@
           <a:p>
             <a:fld id="{53086D93-FCAC-47E0-A2EE-787E62CA814C}" type="datetimeFigureOut">
               <a:rPr lang="en-US" smtClean="0"/>
-              <a:t>10/20/2018</a:t>
+              <a:t>10/21/2018</a:t>
             </a:fld>
             <a:endParaRPr lang="en-US" dirty="0"/>
           </a:p>
@@ -3274,7 +3798,7 @@
           <a:p>
             <a:fld id="{CDA879A6-0FD0-4734-A311-86BFCA472E6E}" type="datetimeFigureOut">
               <a:rPr lang="en-US" smtClean="0"/>
-              <a:t>10/20/2018</a:t>
+              <a:t>10/21/2018</a:t>
             </a:fld>
             <a:endParaRPr lang="en-US" dirty="0"/>
           </a:p>
@@ -3450,7 +3974,7 @@
           <a:p>
             <a:fld id="{19C9CA7B-DFD4-44B5-8C60-D14B8CD1FB59}" type="datetimeFigureOut">
               <a:rPr lang="en-US" smtClean="0"/>
-              <a:t>10/20/2018</a:t>
+              <a:t>10/21/2018</a:t>
             </a:fld>
             <a:endParaRPr lang="en-US" dirty="0"/>
           </a:p>
@@ -3703,7 +4227,7 @@
           <a:p>
             <a:fld id="{F34E6425-0181-43F2-84FC-787E803FD2F8}" type="datetimeFigureOut">
               <a:rPr lang="en-US" smtClean="0"/>
-              <a:t>10/20/2018</a:t>
+              <a:t>10/21/2018</a:t>
             </a:fld>
             <a:endParaRPr lang="en-US" dirty="0"/>
           </a:p>
@@ -4001,7 +4525,7 @@
           <a:p>
             <a:fld id="{3BDB8791-F1B0-41E7-B7FD-A781E65C4266}" type="datetimeFigureOut">
               <a:rPr lang="en-US" smtClean="0"/>
-              <a:t>10/20/2018</a:t>
+              <a:t>10/21/2018</a:t>
             </a:fld>
             <a:endParaRPr lang="en-US" dirty="0"/>
           </a:p>
@@ -4451,7 +4975,7 @@
           <a:p>
             <a:fld id="{5FDD63B2-E120-4ED8-B27B-C685F510A5FE}" type="datetimeFigureOut">
               <a:rPr lang="en-US" smtClean="0"/>
-              <a:t>10/20/2018</a:t>
+              <a:t>10/21/2018</a:t>
             </a:fld>
             <a:endParaRPr lang="en-US" dirty="0"/>
           </a:p>
@@ -4575,7 +5099,7 @@
           <a:p>
             <a:fld id="{7AA18ACC-A947-437B-A130-35BD54FDF1E9}" type="datetimeFigureOut">
               <a:rPr lang="en-US" smtClean="0"/>
-              <a:t>10/20/2018</a:t>
+              <a:t>10/21/2018</a:t>
             </a:fld>
             <a:endParaRPr lang="en-US" dirty="0"/>
           </a:p>
@@ -4676,7 +5200,7 @@
           <a:p>
             <a:fld id="{7C8D7E02-BCB8-4D50-A234-369438C08659}" type="datetimeFigureOut">
               <a:rPr lang="en-US" smtClean="0"/>
-              <a:t>10/20/2018</a:t>
+              <a:t>10/21/2018</a:t>
             </a:fld>
             <a:endParaRPr lang="en-US" dirty="0"/>
           </a:p>
@@ -4961,7 +5485,7 @@
           <a:p>
             <a:fld id="{76E86A4C-8E40-4F87-A4F0-01A0687C5742}" type="datetimeFigureOut">
               <a:rPr lang="en-US" smtClean="0"/>
-              <a:t>10/20/2018</a:t>
+              <a:t>10/21/2018</a:t>
             </a:fld>
             <a:endParaRPr lang="en-US" dirty="0"/>
           </a:p>
@@ -5242,7 +5766,7 @@
           <a:p>
             <a:fld id="{35E72C73-2D91-4E12-BA25-F0AA0C03599B}" type="datetimeFigureOut">
               <a:rPr lang="en-US" smtClean="0"/>
-              <a:t>10/20/2018</a:t>
+              <a:t>10/21/2018</a:t>
             </a:fld>
             <a:endParaRPr lang="en-US" dirty="0"/>
           </a:p>
@@ -5677,7 +6201,7 @@
           <a:p>
             <a:fld id="{2BE451C3-0FF4-47C4-B829-773ADF60F88C}" type="datetimeFigureOut">
               <a:rPr lang="en-US" smtClean="0"/>
-              <a:t>10/20/2018</a:t>
+              <a:t>10/21/2018</a:t>
             </a:fld>
             <a:endParaRPr lang="en-US" dirty="0"/>
           </a:p>
@@ -6230,7 +6754,7 @@
         </p:nvSpPr>
         <p:spPr>
           <a:xfrm>
-            <a:off x="1789707" y="1115256"/>
+            <a:off x="1950557" y="1124587"/>
             <a:ext cx="8290886" cy="1628888"/>
           </a:xfrm>
         </p:spPr>
@@ -6294,7 +6818,7 @@
         </p:nvSpPr>
         <p:spPr>
           <a:xfrm>
-            <a:off x="3195961" y="3311371"/>
+            <a:off x="3373242" y="3339363"/>
             <a:ext cx="4847802" cy="461665"/>
           </a:xfrm>
           <a:prstGeom prst="rect">
@@ -6311,6 +6835,41 @@
             <a:r>
               <a:rPr lang="de-DE" sz="2400" dirty="0"/>
               <a:t>Kommentare auf jeder Website</a:t>
+            </a:r>
+          </a:p>
+        </p:txBody>
+      </p:sp>
+      <p:sp>
+        <p:nvSpPr>
+          <p:cNvPr id="4" name="Textfeld 3">
+            <a:extLst>
+              <a:ext uri="{FF2B5EF4-FFF2-40B4-BE49-F238E27FC236}">
+                <a16:creationId xmlns:a16="http://schemas.microsoft.com/office/drawing/2014/main" id="{637E498B-13D9-4BB6-A6E9-17DA51864D4A}"/>
+              </a:ext>
+            </a:extLst>
+          </p:cNvPr>
+          <p:cNvSpPr txBox="1"/>
+          <p:nvPr/>
+        </p:nvSpPr>
+        <p:spPr>
+          <a:xfrm>
+            <a:off x="10555549" y="326316"/>
+            <a:ext cx="630314" cy="584775"/>
+          </a:xfrm>
+          <a:prstGeom prst="rect">
+            <a:avLst/>
+          </a:prstGeom>
+          <a:noFill/>
+        </p:spPr>
+        <p:txBody>
+          <a:bodyPr wrap="square" rtlCol="0">
+            <a:spAutoFit/>
+          </a:bodyPr>
+          <a:lstStyle/>
+          <a:p>
+            <a:r>
+              <a:rPr lang="de-DE" sz="3200" b="1" dirty="0"/>
+              <a:t>1</a:t>
             </a:r>
           </a:p>
         </p:txBody>
@@ -6325,13 +6884,13 @@
   <p:clrMapOvr>
     <a:masterClrMapping/>
   </p:clrMapOvr>
-  <mc:AlternateContent xmlns:mc="http://schemas.openxmlformats.org/markup-compatibility/2006" xmlns:p14="http://schemas.microsoft.com/office/powerpoint/2010/main">
-    <mc:Choice Requires="p14">
-      <p:transition spd="slow" p14:dur="4000">
+  <mc:AlternateContent xmlns:mc="http://schemas.openxmlformats.org/markup-compatibility/2006">
+    <mc:Choice xmlns:p14="http://schemas.microsoft.com/office/powerpoint/2010/main" Requires="p14">
+      <p:transition spd="slow" p14:dur="4250">
         <p14:reveal/>
       </p:transition>
     </mc:Choice>
-    <mc:Fallback xmlns="">
+    <mc:Fallback>
       <p:transition spd="slow">
         <p:fade/>
       </p:transition>
@@ -6375,7 +6934,7 @@
         </p:nvSpPr>
         <p:spPr>
           <a:xfrm>
-            <a:off x="2883285" y="609601"/>
+            <a:off x="3489774" y="609601"/>
             <a:ext cx="4973453" cy="1400530"/>
           </a:xfrm>
         </p:spPr>
@@ -6406,7 +6965,12 @@
             <p:ph idx="1"/>
           </p:nvPr>
         </p:nvSpPr>
-        <p:spPr/>
+        <p:spPr>
+          <a:xfrm>
+            <a:off x="1177957" y="2183546"/>
+            <a:ext cx="8946541" cy="4195481"/>
+          </a:xfrm>
+        </p:spPr>
         <p:txBody>
           <a:bodyPr/>
           <a:lstStyle/>
@@ -6446,6 +7010,41 @@
                 <a:srgbClr val="FF0000"/>
               </a:solidFill>
             </a:endParaRPr>
+          </a:p>
+        </p:txBody>
+      </p:sp>
+      <p:sp>
+        <p:nvSpPr>
+          <p:cNvPr id="4" name="Textfeld 3">
+            <a:extLst>
+              <a:ext uri="{FF2B5EF4-FFF2-40B4-BE49-F238E27FC236}">
+                <a16:creationId xmlns:a16="http://schemas.microsoft.com/office/drawing/2014/main" id="{6C85D800-DCD4-41C5-9B00-F188523DB2AB}"/>
+              </a:ext>
+            </a:extLst>
+          </p:cNvPr>
+          <p:cNvSpPr txBox="1"/>
+          <p:nvPr/>
+        </p:nvSpPr>
+        <p:spPr>
+          <a:xfrm>
+            <a:off x="10555549" y="326316"/>
+            <a:ext cx="630314" cy="584775"/>
+          </a:xfrm>
+          <a:prstGeom prst="rect">
+            <a:avLst/>
+          </a:prstGeom>
+          <a:noFill/>
+        </p:spPr>
+        <p:txBody>
+          <a:bodyPr wrap="square" rtlCol="0">
+            <a:spAutoFit/>
+          </a:bodyPr>
+          <a:lstStyle/>
+          <a:p>
+            <a:r>
+              <a:rPr lang="de-DE" sz="3200" b="1" dirty="0"/>
+              <a:t>2</a:t>
+            </a:r>
           </a:p>
         </p:txBody>
       </p:sp>
@@ -6509,7 +7108,7 @@
         </p:nvSpPr>
         <p:spPr>
           <a:xfrm>
-            <a:off x="646111" y="452718"/>
+            <a:off x="739417" y="532472"/>
             <a:ext cx="10921493" cy="1400530"/>
           </a:xfrm>
         </p:spPr>
@@ -6518,7 +7117,7 @@
           <a:lstStyle/>
           <a:p>
             <a:r>
-              <a:rPr lang="de-DE" sz="4400" b="1" dirty="0"/>
+              <a:rPr lang="de-DE" sz="4000" b="1" dirty="0"/>
               <a:t>Was ist eigentlich “Comment Sense“?</a:t>
             </a:r>
           </a:p>
@@ -6595,7 +7194,7 @@
           <p:nvPr/>
         </p:nvPicPr>
         <p:blipFill>
-          <a:blip r:embed="rId2"/>
+          <a:blip r:embed="rId3"/>
           <a:stretch>
             <a:fillRect/>
           </a:stretch>
@@ -6610,6 +7209,41 @@
           </a:prstGeom>
         </p:spPr>
       </p:pic>
+      <p:sp>
+        <p:nvSpPr>
+          <p:cNvPr id="5" name="Textfeld 4">
+            <a:extLst>
+              <a:ext uri="{FF2B5EF4-FFF2-40B4-BE49-F238E27FC236}">
+                <a16:creationId xmlns:a16="http://schemas.microsoft.com/office/drawing/2014/main" id="{DF8AF9FC-55E5-4A88-AAA6-A29E79D480E8}"/>
+              </a:ext>
+            </a:extLst>
+          </p:cNvPr>
+          <p:cNvSpPr txBox="1"/>
+          <p:nvPr/>
+        </p:nvSpPr>
+        <p:spPr>
+          <a:xfrm>
+            <a:off x="10555549" y="326316"/>
+            <a:ext cx="630314" cy="584775"/>
+          </a:xfrm>
+          <a:prstGeom prst="rect">
+            <a:avLst/>
+          </a:prstGeom>
+          <a:noFill/>
+        </p:spPr>
+        <p:txBody>
+          <a:bodyPr wrap="square" rtlCol="0">
+            <a:spAutoFit/>
+          </a:bodyPr>
+          <a:lstStyle/>
+          <a:p>
+            <a:r>
+              <a:rPr lang="de-DE" sz="3200" b="1" dirty="0"/>
+              <a:t>3</a:t>
+            </a:r>
+          </a:p>
+        </p:txBody>
+      </p:sp>
     </p:spTree>
     <p:extLst>
       <p:ext uri="{BB962C8B-B14F-4D97-AF65-F5344CB8AC3E}">
@@ -6620,9 +7254,18 @@
   <p:clrMapOvr>
     <a:masterClrMapping/>
   </p:clrMapOvr>
-  <p:transition spd="slow">
-    <p:wipe/>
-  </p:transition>
+  <mc:AlternateContent xmlns:mc="http://schemas.openxmlformats.org/markup-compatibility/2006">
+    <mc:Choice xmlns:p14="http://schemas.microsoft.com/office/powerpoint/2010/main" Requires="p14">
+      <p:transition spd="slow" p14:dur="2000">
+        <p14:reveal/>
+      </p:transition>
+    </mc:Choice>
+    <mc:Fallback>
+      <p:transition spd="slow">
+        <p:fade/>
+      </p:transition>
+    </mc:Fallback>
+  </mc:AlternateContent>
 </p:sld>
 </file>
 
@@ -6692,7 +7335,12 @@
             <p:ph idx="1"/>
           </p:nvPr>
         </p:nvSpPr>
-        <p:spPr/>
+        <p:spPr>
+          <a:xfrm>
+            <a:off x="1103312" y="2052918"/>
+            <a:ext cx="8946541" cy="4195481"/>
+          </a:xfrm>
+        </p:spPr>
         <p:txBody>
           <a:bodyPr>
             <a:normAutofit/>
@@ -6701,7 +7349,7 @@
           <a:p>
             <a:r>
               <a:rPr lang="de-DE" sz="2400" dirty="0"/>
-              <a:t>Die Grundidee ist ein Add-on zu seinem Browser (zurzeit nur Chrome) hinzufügen zu können und somit auf den verschiedenen Webseiten Kommentare zu schreiben</a:t>
+              <a:t>Ein Add-on um auf Webseiten Kommentare zu schreiben</a:t>
             </a:r>
           </a:p>
           <a:p>
@@ -6733,14 +7381,14 @@
           <p:nvPr/>
         </p:nvPicPr>
         <p:blipFill>
-          <a:blip r:embed="rId2"/>
+          <a:blip r:embed="rId3"/>
           <a:stretch>
             <a:fillRect/>
           </a:stretch>
         </p:blipFill>
         <p:spPr>
           <a:xfrm>
-            <a:off x="3023595" y="4852386"/>
+            <a:off x="2323799" y="4600460"/>
             <a:ext cx="1219200" cy="1219200"/>
           </a:xfrm>
           <a:prstGeom prst="rect">
@@ -6763,14 +7411,14 @@
           <p:nvPr/>
         </p:nvPicPr>
         <p:blipFill>
-          <a:blip r:embed="rId3"/>
+          <a:blip r:embed="rId4"/>
           <a:stretch>
             <a:fillRect/>
           </a:stretch>
         </p:blipFill>
         <p:spPr>
           <a:xfrm>
-            <a:off x="7085091" y="4871436"/>
+            <a:off x="6425737" y="4638560"/>
             <a:ext cx="1219200" cy="1181100"/>
           </a:xfrm>
           <a:prstGeom prst="rect">
@@ -6793,14 +7441,14 @@
           <p:nvPr/>
         </p:nvPicPr>
         <p:blipFill>
-          <a:blip r:embed="rId4"/>
+          <a:blip r:embed="rId5"/>
           <a:stretch>
             <a:fillRect/>
           </a:stretch>
         </p:blipFill>
         <p:spPr>
-          <a:xfrm rot="1764595">
-            <a:off x="9986770" y="3286178"/>
+          <a:xfrm rot="2075735">
+            <a:off x="9691069" y="3407476"/>
             <a:ext cx="1728960" cy="1728960"/>
           </a:xfrm>
           <a:prstGeom prst="rect">
@@ -6808,6 +7456,41 @@
           </a:prstGeom>
         </p:spPr>
       </p:pic>
+      <p:sp>
+        <p:nvSpPr>
+          <p:cNvPr id="8" name="Textfeld 7">
+            <a:extLst>
+              <a:ext uri="{FF2B5EF4-FFF2-40B4-BE49-F238E27FC236}">
+                <a16:creationId xmlns:a16="http://schemas.microsoft.com/office/drawing/2014/main" id="{EEE41E2F-5976-452E-B7DB-D874BCAF5B1F}"/>
+              </a:ext>
+            </a:extLst>
+          </p:cNvPr>
+          <p:cNvSpPr txBox="1"/>
+          <p:nvPr/>
+        </p:nvSpPr>
+        <p:spPr>
+          <a:xfrm>
+            <a:off x="10555549" y="326316"/>
+            <a:ext cx="630314" cy="584775"/>
+          </a:xfrm>
+          <a:prstGeom prst="rect">
+            <a:avLst/>
+          </a:prstGeom>
+          <a:noFill/>
+        </p:spPr>
+        <p:txBody>
+          <a:bodyPr wrap="square" rtlCol="0">
+            <a:spAutoFit/>
+          </a:bodyPr>
+          <a:lstStyle/>
+          <a:p>
+            <a:r>
+              <a:rPr lang="de-DE" sz="3200" b="1" dirty="0"/>
+              <a:t>4</a:t>
+            </a:r>
+          </a:p>
+        </p:txBody>
+      </p:sp>
     </p:spTree>
     <p:extLst>
       <p:ext uri="{BB962C8B-B14F-4D97-AF65-F5344CB8AC3E}">
@@ -6855,8 +7538,8 @@
         </p:nvSpPr>
         <p:spPr>
           <a:xfrm>
-            <a:off x="1192088" y="742766"/>
-            <a:ext cx="10275570" cy="769441"/>
+            <a:off x="1119953" y="557148"/>
+            <a:ext cx="9435596" cy="707886"/>
           </a:xfrm>
           <a:prstGeom prst="rect">
             <a:avLst/>
@@ -6870,7 +7553,7 @@
           <a:lstStyle/>
           <a:p>
             <a:r>
-              <a:rPr lang="de-DE" sz="4400" b="1" dirty="0"/>
+              <a:rPr lang="de-DE" sz="4000" b="1" dirty="0"/>
               <a:t>Vorteile für “Comment Sense“ Nutzer </a:t>
             </a:r>
           </a:p>
@@ -7029,6 +7712,41 @@
           </a:prstGeom>
         </p:spPr>
       </p:pic>
+      <p:sp>
+        <p:nvSpPr>
+          <p:cNvPr id="8" name="Textfeld 7">
+            <a:extLst>
+              <a:ext uri="{FF2B5EF4-FFF2-40B4-BE49-F238E27FC236}">
+                <a16:creationId xmlns:a16="http://schemas.microsoft.com/office/drawing/2014/main" id="{2B2BC9E8-7661-4AFB-A340-D06E1F8EC16D}"/>
+              </a:ext>
+            </a:extLst>
+          </p:cNvPr>
+          <p:cNvSpPr txBox="1"/>
+          <p:nvPr/>
+        </p:nvSpPr>
+        <p:spPr>
+          <a:xfrm>
+            <a:off x="10555549" y="326316"/>
+            <a:ext cx="630314" cy="584775"/>
+          </a:xfrm>
+          <a:prstGeom prst="rect">
+            <a:avLst/>
+          </a:prstGeom>
+          <a:noFill/>
+        </p:spPr>
+        <p:txBody>
+          <a:bodyPr wrap="square" rtlCol="0">
+            <a:spAutoFit/>
+          </a:bodyPr>
+          <a:lstStyle/>
+          <a:p>
+            <a:r>
+              <a:rPr lang="de-DE" sz="3200" b="1" dirty="0"/>
+              <a:t>5</a:t>
+            </a:r>
+          </a:p>
+        </p:txBody>
+      </p:sp>
     </p:spTree>
     <p:extLst>
       <p:ext uri="{BB962C8B-B14F-4D97-AF65-F5344CB8AC3E}">
@@ -7413,7 +8131,7 @@
         </p:blipFill>
         <p:spPr>
           <a:xfrm>
-            <a:off x="7690447" y="1919753"/>
+            <a:off x="8093263" y="1788507"/>
             <a:ext cx="1219200" cy="1219200"/>
           </a:xfrm>
           <a:prstGeom prst="rect">
@@ -7443,7 +8161,7 @@
         </p:blipFill>
         <p:spPr>
           <a:xfrm>
-            <a:off x="9149345" y="4021932"/>
+            <a:off x="8965297" y="4169893"/>
             <a:ext cx="1219200" cy="1219200"/>
           </a:xfrm>
           <a:prstGeom prst="rect">
@@ -7473,7 +8191,7 @@
         </p:blipFill>
         <p:spPr>
           <a:xfrm>
-            <a:off x="6218484" y="4169893"/>
+            <a:off x="6472847" y="3429000"/>
             <a:ext cx="1219200" cy="1219200"/>
           </a:xfrm>
           <a:prstGeom prst="rect">
@@ -7481,6 +8199,41 @@
           </a:prstGeom>
         </p:spPr>
       </p:pic>
+      <p:sp>
+        <p:nvSpPr>
+          <p:cNvPr id="7" name="Textfeld 6">
+            <a:extLst>
+              <a:ext uri="{FF2B5EF4-FFF2-40B4-BE49-F238E27FC236}">
+                <a16:creationId xmlns:a16="http://schemas.microsoft.com/office/drawing/2014/main" id="{138A0DB9-0E35-4E0E-B52A-569C91553B5D}"/>
+              </a:ext>
+            </a:extLst>
+          </p:cNvPr>
+          <p:cNvSpPr txBox="1"/>
+          <p:nvPr/>
+        </p:nvSpPr>
+        <p:spPr>
+          <a:xfrm>
+            <a:off x="10555549" y="326316"/>
+            <a:ext cx="630314" cy="584775"/>
+          </a:xfrm>
+          <a:prstGeom prst="rect">
+            <a:avLst/>
+          </a:prstGeom>
+          <a:noFill/>
+        </p:spPr>
+        <p:txBody>
+          <a:bodyPr wrap="square" rtlCol="0">
+            <a:spAutoFit/>
+          </a:bodyPr>
+          <a:lstStyle/>
+          <a:p>
+            <a:r>
+              <a:rPr lang="de-DE" sz="3200" b="1" dirty="0"/>
+              <a:t>6</a:t>
+            </a:r>
+          </a:p>
+        </p:txBody>
+      </p:sp>
     </p:spTree>
     <p:extLst>
       <p:ext uri="{BB962C8B-B14F-4D97-AF65-F5344CB8AC3E}">
@@ -7761,4 +8514,299 @@
     </a:ext>
   </a:extLst>
 </a:theme>
+</file>
+
+<file path=ppt/theme/theme2.xml><?xml version="1.0" encoding="utf-8"?>
+<a:theme xmlns:a="http://schemas.openxmlformats.org/drawingml/2006/main" name="Office">
+  <a:themeElements>
+    <a:clrScheme name="Office">
+      <a:dk1>
+        <a:sysClr val="windowText" lastClr="000000"/>
+      </a:dk1>
+      <a:lt1>
+        <a:sysClr val="window" lastClr="FFFFFF"/>
+      </a:lt1>
+      <a:dk2>
+        <a:srgbClr val="44546A"/>
+      </a:dk2>
+      <a:lt2>
+        <a:srgbClr val="E7E6E6"/>
+      </a:lt2>
+      <a:accent1>
+        <a:srgbClr val="4472C4"/>
+      </a:accent1>
+      <a:accent2>
+        <a:srgbClr val="ED7D31"/>
+      </a:accent2>
+      <a:accent3>
+        <a:srgbClr val="A5A5A5"/>
+      </a:accent3>
+      <a:accent4>
+        <a:srgbClr val="FFC000"/>
+      </a:accent4>
+      <a:accent5>
+        <a:srgbClr val="5B9BD5"/>
+      </a:accent5>
+      <a:accent6>
+        <a:srgbClr val="70AD47"/>
+      </a:accent6>
+      <a:hlink>
+        <a:srgbClr val="0563C1"/>
+      </a:hlink>
+      <a:folHlink>
+        <a:srgbClr val="954F72"/>
+      </a:folHlink>
+    </a:clrScheme>
+    <a:fontScheme name="Office">
+      <a:majorFont>
+        <a:latin typeface="Calibri Light" panose="020F0302020204030204"/>
+        <a:ea typeface=""/>
+        <a:cs typeface=""/>
+        <a:font script="Jpan" typeface="游ゴシック Light"/>
+        <a:font script="Hang" typeface="맑은 고딕"/>
+        <a:font script="Hans" typeface="等线 Light"/>
+        <a:font script="Hant" typeface="新細明體"/>
+        <a:font script="Arab" typeface="Times New Roman"/>
+        <a:font script="Hebr" typeface="Times New Roman"/>
+        <a:font script="Thai" typeface="Angsana New"/>
+        <a:font script="Ethi" typeface="Nyala"/>
+        <a:font script="Beng" typeface="Vrinda"/>
+        <a:font script="Gujr" typeface="Shruti"/>
+        <a:font script="Khmr" typeface="MoolBoran"/>
+        <a:font script="Knda" typeface="Tunga"/>
+        <a:font script="Guru" typeface="Raavi"/>
+        <a:font script="Cans" typeface="Euphemia"/>
+        <a:font script="Cher" typeface="Plantagenet Cherokee"/>
+        <a:font script="Yiii" typeface="Microsoft Yi Baiti"/>
+        <a:font script="Tibt" typeface="Microsoft Himalaya"/>
+        <a:font script="Thaa" typeface="MV Boli"/>
+        <a:font script="Deva" typeface="Mangal"/>
+        <a:font script="Telu" typeface="Gautami"/>
+        <a:font script="Taml" typeface="Latha"/>
+        <a:font script="Syrc" typeface="Estrangelo Edessa"/>
+        <a:font script="Orya" typeface="Kalinga"/>
+        <a:font script="Mlym" typeface="Kartika"/>
+        <a:font script="Laoo" typeface="DokChampa"/>
+        <a:font script="Sinh" typeface="Iskoola Pota"/>
+        <a:font script="Mong" typeface="Mongolian Baiti"/>
+        <a:font script="Viet" typeface="Times New Roman"/>
+        <a:font script="Uigh" typeface="Microsoft Uighur"/>
+        <a:font script="Geor" typeface="Sylfaen"/>
+        <a:font script="Armn" typeface="Arial"/>
+        <a:font script="Bugi" typeface="Leelawadee UI"/>
+        <a:font script="Bopo" typeface="Microsoft JhengHei"/>
+        <a:font script="Java" typeface="Javanese Text"/>
+        <a:font script="Lisu" typeface="Segoe UI"/>
+        <a:font script="Mymr" typeface="Myanmar Text"/>
+        <a:font script="Nkoo" typeface="Ebrima"/>
+        <a:font script="Olck" typeface="Nirmala UI"/>
+        <a:font script="Osma" typeface="Ebrima"/>
+        <a:font script="Phag" typeface="Phagspa"/>
+        <a:font script="Syrn" typeface="Estrangelo Edessa"/>
+        <a:font script="Syrj" typeface="Estrangelo Edessa"/>
+        <a:font script="Syre" typeface="Estrangelo Edessa"/>
+        <a:font script="Sora" typeface="Nirmala UI"/>
+        <a:font script="Tale" typeface="Microsoft Tai Le"/>
+        <a:font script="Talu" typeface="Microsoft New Tai Lue"/>
+        <a:font script="Tfng" typeface="Ebrima"/>
+      </a:majorFont>
+      <a:minorFont>
+        <a:latin typeface="Calibri" panose="020F0502020204030204"/>
+        <a:ea typeface=""/>
+        <a:cs typeface=""/>
+        <a:font script="Jpan" typeface="游ゴシック"/>
+        <a:font script="Hang" typeface="맑은 고딕"/>
+        <a:font script="Hans" typeface="等线"/>
+        <a:font script="Hant" typeface="新細明體"/>
+        <a:font script="Arab" typeface="Arial"/>
+        <a:font script="Hebr" typeface="Arial"/>
+        <a:font script="Thai" typeface="Cordia New"/>
+        <a:font script="Ethi" typeface="Nyala"/>
+        <a:font script="Beng" typeface="Vrinda"/>
+        <a:font script="Gujr" typeface="Shruti"/>
+        <a:font script="Khmr" typeface="DaunPenh"/>
+        <a:font script="Knda" typeface="Tunga"/>
+        <a:font script="Guru" typeface="Raavi"/>
+        <a:font script="Cans" typeface="Euphemia"/>
+        <a:font script="Cher" typeface="Plantagenet Cherokee"/>
+        <a:font script="Yiii" typeface="Microsoft Yi Baiti"/>
+        <a:font script="Tibt" typeface="Microsoft Himalaya"/>
+        <a:font script="Thaa" typeface="MV Boli"/>
+        <a:font script="Deva" typeface="Mangal"/>
+        <a:font script="Telu" typeface="Gautami"/>
+        <a:font script="Taml" typeface="Latha"/>
+        <a:font script="Syrc" typeface="Estrangelo Edessa"/>
+        <a:font script="Orya" typeface="Kalinga"/>
+        <a:font script="Mlym" typeface="Kartika"/>
+        <a:font script="Laoo" typeface="DokChampa"/>
+        <a:font script="Sinh" typeface="Iskoola Pota"/>
+        <a:font script="Mong" typeface="Mongolian Baiti"/>
+        <a:font script="Viet" typeface="Arial"/>
+        <a:font script="Uigh" typeface="Microsoft Uighur"/>
+        <a:font script="Geor" typeface="Sylfaen"/>
+        <a:font script="Armn" typeface="Arial"/>
+        <a:font script="Bugi" typeface="Leelawadee UI"/>
+        <a:font script="Bopo" typeface="Microsoft JhengHei"/>
+        <a:font script="Java" typeface="Javanese Text"/>
+        <a:font script="Lisu" typeface="Segoe UI"/>
+        <a:font script="Mymr" typeface="Myanmar Text"/>
+        <a:font script="Nkoo" typeface="Ebrima"/>
+        <a:font script="Olck" typeface="Nirmala UI"/>
+        <a:font script="Osma" typeface="Ebrima"/>
+        <a:font script="Phag" typeface="Phagspa"/>
+        <a:font script="Syrn" typeface="Estrangelo Edessa"/>
+        <a:font script="Syrj" typeface="Estrangelo Edessa"/>
+        <a:font script="Syre" typeface="Estrangelo Edessa"/>
+        <a:font script="Sora" typeface="Nirmala UI"/>
+        <a:font script="Tale" typeface="Microsoft Tai Le"/>
+        <a:font script="Talu" typeface="Microsoft New Tai Lue"/>
+        <a:font script="Tfng" typeface="Ebrima"/>
+      </a:minorFont>
+    </a:fontScheme>
+    <a:fmtScheme name="Office">
+      <a:fillStyleLst>
+        <a:solidFill>
+          <a:schemeClr val="phClr"/>
+        </a:solidFill>
+        <a:gradFill rotWithShape="1">
+          <a:gsLst>
+            <a:gs pos="0">
+              <a:schemeClr val="phClr">
+                <a:lumMod val="110000"/>
+                <a:satMod val="105000"/>
+                <a:tint val="67000"/>
+              </a:schemeClr>
+            </a:gs>
+            <a:gs pos="50000">
+              <a:schemeClr val="phClr">
+                <a:lumMod val="105000"/>
+                <a:satMod val="103000"/>
+                <a:tint val="73000"/>
+              </a:schemeClr>
+            </a:gs>
+            <a:gs pos="100000">
+              <a:schemeClr val="phClr">
+                <a:lumMod val="105000"/>
+                <a:satMod val="109000"/>
+                <a:tint val="81000"/>
+              </a:schemeClr>
+            </a:gs>
+          </a:gsLst>
+          <a:lin ang="5400000" scaled="0"/>
+        </a:gradFill>
+        <a:gradFill rotWithShape="1">
+          <a:gsLst>
+            <a:gs pos="0">
+              <a:schemeClr val="phClr">
+                <a:satMod val="103000"/>
+                <a:lumMod val="102000"/>
+                <a:tint val="94000"/>
+              </a:schemeClr>
+            </a:gs>
+            <a:gs pos="50000">
+              <a:schemeClr val="phClr">
+                <a:satMod val="110000"/>
+                <a:lumMod val="100000"/>
+                <a:shade val="100000"/>
+              </a:schemeClr>
+            </a:gs>
+            <a:gs pos="100000">
+              <a:schemeClr val="phClr">
+                <a:lumMod val="99000"/>
+                <a:satMod val="120000"/>
+                <a:shade val="78000"/>
+              </a:schemeClr>
+            </a:gs>
+          </a:gsLst>
+          <a:lin ang="5400000" scaled="0"/>
+        </a:gradFill>
+      </a:fillStyleLst>
+      <a:lnStyleLst>
+        <a:ln w="6350" cap="flat" cmpd="sng" algn="ctr">
+          <a:solidFill>
+            <a:schemeClr val="phClr"/>
+          </a:solidFill>
+          <a:prstDash val="solid"/>
+          <a:miter lim="800000"/>
+        </a:ln>
+        <a:ln w="12700" cap="flat" cmpd="sng" algn="ctr">
+          <a:solidFill>
+            <a:schemeClr val="phClr"/>
+          </a:solidFill>
+          <a:prstDash val="solid"/>
+          <a:miter lim="800000"/>
+        </a:ln>
+        <a:ln w="19050" cap="flat" cmpd="sng" algn="ctr">
+          <a:solidFill>
+            <a:schemeClr val="phClr"/>
+          </a:solidFill>
+          <a:prstDash val="solid"/>
+          <a:miter lim="800000"/>
+        </a:ln>
+      </a:lnStyleLst>
+      <a:effectStyleLst>
+        <a:effectStyle>
+          <a:effectLst/>
+        </a:effectStyle>
+        <a:effectStyle>
+          <a:effectLst/>
+        </a:effectStyle>
+        <a:effectStyle>
+          <a:effectLst>
+            <a:outerShdw blurRad="57150" dist="19050" dir="5400000" algn="ctr" rotWithShape="0">
+              <a:srgbClr val="000000">
+                <a:alpha val="63000"/>
+              </a:srgbClr>
+            </a:outerShdw>
+          </a:effectLst>
+        </a:effectStyle>
+      </a:effectStyleLst>
+      <a:bgFillStyleLst>
+        <a:solidFill>
+          <a:schemeClr val="phClr"/>
+        </a:solidFill>
+        <a:solidFill>
+          <a:schemeClr val="phClr">
+            <a:tint val="95000"/>
+            <a:satMod val="170000"/>
+          </a:schemeClr>
+        </a:solidFill>
+        <a:gradFill rotWithShape="1">
+          <a:gsLst>
+            <a:gs pos="0">
+              <a:schemeClr val="phClr">
+                <a:tint val="93000"/>
+                <a:satMod val="150000"/>
+                <a:shade val="98000"/>
+                <a:lumMod val="102000"/>
+              </a:schemeClr>
+            </a:gs>
+            <a:gs pos="50000">
+              <a:schemeClr val="phClr">
+                <a:tint val="98000"/>
+                <a:satMod val="130000"/>
+                <a:shade val="90000"/>
+                <a:lumMod val="103000"/>
+              </a:schemeClr>
+            </a:gs>
+            <a:gs pos="100000">
+              <a:schemeClr val="phClr">
+                <a:shade val="63000"/>
+                <a:satMod val="120000"/>
+              </a:schemeClr>
+            </a:gs>
+          </a:gsLst>
+          <a:lin ang="5400000" scaled="0"/>
+        </a:gradFill>
+      </a:bgFillStyleLst>
+    </a:fmtScheme>
+  </a:themeElements>
+  <a:objectDefaults/>
+  <a:extraClrSchemeLst/>
+  <a:extLst>
+    <a:ext uri="{05A4C25C-085E-4340-85A3-A5531E510DB2}">
+      <thm15:themeFamily xmlns:thm15="http://schemas.microsoft.com/office/thememl/2012/main" name="Office Theme" id="{62F939B6-93AF-4DB8-9C6B-D6C7DFDC589F}" vid="{4A3C46E8-61CC-4603-A589-7422A47A8E4A}"/>
+    </a:ext>
+  </a:extLst>
+</a:theme>
 </file>